--- a/presentations/PM Review.pptx
+++ b/presentations/PM Review.pptx
@@ -14157,7 +14157,7 @@
             <a:tbl>
               <a:tblPr>
                 <a:noFill/>
-                <a:tableStyleId>{8D99BBEA-4D13-4A4D-949F-B90CB3958EE0}</a:tableStyleId>
+                <a:tableStyleId>{3D25AB63-5DD1-4621-B8EF-F3DA68B3DFED}</a:tableStyleId>
               </a:tblPr>
               <a:tblGrid>
                 <a:gridCol w="913550"/>
@@ -15378,7 +15378,7 @@
             <a:tbl>
               <a:tblPr>
                 <a:noFill/>
-                <a:tableStyleId>{8D99BBEA-4D13-4A4D-949F-B90CB3958EE0}</a:tableStyleId>
+                <a:tableStyleId>{3D25AB63-5DD1-4621-B8EF-F3DA68B3DFED}</a:tableStyleId>
               </a:tblPr>
               <a:tblGrid>
                 <a:gridCol w="1685775"/>
@@ -16039,7 +16039,7 @@
             <a:tbl>
               <a:tblPr>
                 <a:noFill/>
-                <a:tableStyleId>{8D99BBEA-4D13-4A4D-949F-B90CB3958EE0}</a:tableStyleId>
+                <a:tableStyleId>{3D25AB63-5DD1-4621-B8EF-F3DA68B3DFED}</a:tableStyleId>
               </a:tblPr>
               <a:tblGrid>
                 <a:gridCol w="1851700"/>
@@ -16792,7 +16792,7 @@
             <a:tbl>
               <a:tblPr>
                 <a:noFill/>
-                <a:tableStyleId>{8D99BBEA-4D13-4A4D-949F-B90CB3958EE0}</a:tableStyleId>
+                <a:tableStyleId>{3D25AB63-5DD1-4621-B8EF-F3DA68B3DFED}</a:tableStyleId>
               </a:tblPr>
               <a:tblGrid>
                 <a:gridCol w="1755525"/>
@@ -17552,7 +17552,7 @@
             <a:tbl>
               <a:tblPr>
                 <a:noFill/>
-                <a:tableStyleId>{8D99BBEA-4D13-4A4D-949F-B90CB3958EE0}</a:tableStyleId>
+                <a:tableStyleId>{3D25AB63-5DD1-4621-B8EF-F3DA68B3DFED}</a:tableStyleId>
               </a:tblPr>
               <a:tblGrid>
                 <a:gridCol w="2680900"/>
@@ -18151,7 +18151,7 @@
             <a:tbl>
               <a:tblPr>
                 <a:noFill/>
-                <a:tableStyleId>{8D99BBEA-4D13-4A4D-949F-B90CB3958EE0}</a:tableStyleId>
+                <a:tableStyleId>{3D25AB63-5DD1-4621-B8EF-F3DA68B3DFED}</a:tableStyleId>
               </a:tblPr>
               <a:tblGrid>
                 <a:gridCol w="2680900"/>
@@ -18750,7 +18750,7 @@
             <a:tbl>
               <a:tblPr>
                 <a:noFill/>
-                <a:tableStyleId>{8D99BBEA-4D13-4A4D-949F-B90CB3958EE0}</a:tableStyleId>
+                <a:tableStyleId>{3D25AB63-5DD1-4621-B8EF-F3DA68B3DFED}</a:tableStyleId>
               </a:tblPr>
               <a:tblGrid>
                 <a:gridCol w="2002025"/>
@@ -20846,7 +20846,7 @@
             <a:tbl>
               <a:tblPr>
                 <a:noFill/>
-                <a:tableStyleId>{8D99BBEA-4D13-4A4D-949F-B90CB3958EE0}</a:tableStyleId>
+                <a:tableStyleId>{3D25AB63-5DD1-4621-B8EF-F3DA68B3DFED}</a:tableStyleId>
               </a:tblPr>
               <a:tblGrid>
                 <a:gridCol w="2038625"/>
@@ -21742,7 +21742,7 @@
             <a:tbl>
               <a:tblPr>
                 <a:noFill/>
-                <a:tableStyleId>{8D99BBEA-4D13-4A4D-949F-B90CB3958EE0}</a:tableStyleId>
+                <a:tableStyleId>{3D25AB63-5DD1-4621-B8EF-F3DA68B3DFED}</a:tableStyleId>
               </a:tblPr>
               <a:tblGrid>
                 <a:gridCol w="913550"/>
@@ -24112,7 +24112,7 @@
             <a:tbl>
               <a:tblPr>
                 <a:noFill/>
-                <a:tableStyleId>{8D99BBEA-4D13-4A4D-949F-B90CB3958EE0}</a:tableStyleId>
+                <a:tableStyleId>{3D25AB63-5DD1-4621-B8EF-F3DA68B3DFED}</a:tableStyleId>
               </a:tblPr>
               <a:tblGrid>
                 <a:gridCol w="1296775"/>
@@ -24673,8 +24673,8 @@
         </p:blipFill>
         <p:spPr>
           <a:xfrm>
-            <a:off x="152400" y="1072625"/>
-            <a:ext cx="8839199" cy="3531200"/>
+            <a:off x="152400" y="1169850"/>
+            <a:ext cx="8839197" cy="3410743"/>
           </a:xfrm>
           <a:prstGeom prst="rect">
             <a:avLst/>
@@ -25373,6 +25373,285 @@
 </file>
 
 <file path=ppt/theme/theme1.xml><?xml version="1.0" encoding="utf-8"?>
+<a:theme xmlns:a="http://schemas.openxmlformats.org/drawingml/2006/main" xmlns:r="http://schemas.openxmlformats.org/officeDocument/2006/relationships">
+  <a:themeElements>
+    <a:clrScheme name="Default">
+      <a:dk1>
+        <a:srgbClr val="000000"/>
+      </a:dk1>
+      <a:lt1>
+        <a:srgbClr val="FFFFFF"/>
+      </a:lt1>
+      <a:dk2>
+        <a:srgbClr val="158158"/>
+      </a:dk2>
+      <a:lt2>
+        <a:srgbClr val="F3F3F3"/>
+      </a:lt2>
+      <a:accent1>
+        <a:srgbClr val="058DC7"/>
+      </a:accent1>
+      <a:accent2>
+        <a:srgbClr val="50B432"/>
+      </a:accent2>
+      <a:accent3>
+        <a:srgbClr val="ED561B"/>
+      </a:accent3>
+      <a:accent4>
+        <a:srgbClr val="EDEF00"/>
+      </a:accent4>
+      <a:accent5>
+        <a:srgbClr val="24CBE5"/>
+      </a:accent5>
+      <a:accent6>
+        <a:srgbClr val="64E572"/>
+      </a:accent6>
+      <a:hlink>
+        <a:srgbClr val="2200CC"/>
+      </a:hlink>
+      <a:folHlink>
+        <a:srgbClr val="551A8B"/>
+      </a:folHlink>
+    </a:clrScheme>
+    <a:fontScheme name="Office">
+      <a:majorFont>
+        <a:latin typeface="Arial"/>
+        <a:ea typeface=""/>
+        <a:cs typeface=""/>
+        <a:font script="Jpan" typeface="ＭＳ Ｐゴシック"/>
+        <a:font script="Hang" typeface="맑은 고딕"/>
+        <a:font script="Hans" typeface="宋体"/>
+        <a:font script="Hant" typeface="新細明體"/>
+        <a:font script="Arab" typeface="Times New Roman"/>
+        <a:font script="Hebr" typeface="Times New Roman"/>
+        <a:font script="Thai" typeface="Angsana New"/>
+        <a:font script="Ethi" typeface="Nyala"/>
+        <a:font script="Beng" typeface="Vrinda"/>
+        <a:font script="Gujr" typeface="Shruti"/>
+        <a:font script="Khmr" typeface="MoolBoran"/>
+        <a:font script="Knda" typeface="Tunga"/>
+        <a:font script="Guru" typeface="Raavi"/>
+        <a:font script="Cans" typeface="Euphemia"/>
+        <a:font script="Cher" typeface="Plantagenet Cherokee"/>
+        <a:font script="Yiii" typeface="Microsoft Yi Baiti"/>
+        <a:font script="Tibt" typeface="Microsoft Himalaya"/>
+        <a:font script="Thaa" typeface="MV Boli"/>
+        <a:font script="Deva" typeface="Mangal"/>
+        <a:font script="Telu" typeface="Gautami"/>
+        <a:font script="Taml" typeface="Latha"/>
+        <a:font script="Syrc" typeface="Estrangelo Edessa"/>
+        <a:font script="Orya" typeface="Kalinga"/>
+        <a:font script="Mlym" typeface="Kartika"/>
+        <a:font script="Laoo" typeface="DokChampa"/>
+        <a:font script="Sinh" typeface="Iskoola Pota"/>
+        <a:font script="Mong" typeface="Mongolian Baiti"/>
+        <a:font script="Viet" typeface="Times New Roman"/>
+        <a:font script="Uigh" typeface="Microsoft Uighur"/>
+        <a:font script="Geor" typeface="Sylfaen"/>
+      </a:majorFont>
+      <a:minorFont>
+        <a:latin typeface="Arial"/>
+        <a:ea typeface=""/>
+        <a:cs typeface=""/>
+        <a:font script="Jpan" typeface="ＭＳ Ｐゴシック"/>
+        <a:font script="Hang" typeface="맑은 고딕"/>
+        <a:font script="Hans" typeface="宋体"/>
+        <a:font script="Hant" typeface="新細明體"/>
+        <a:font script="Arab" typeface="Arial"/>
+        <a:font script="Hebr" typeface="Arial"/>
+        <a:font script="Thai" typeface="Cordia New"/>
+        <a:font script="Ethi" typeface="Nyala"/>
+        <a:font script="Beng" typeface="Vrinda"/>
+        <a:font script="Gujr" typeface="Shruti"/>
+        <a:font script="Khmr" typeface="DaunPenh"/>
+        <a:font script="Knda" typeface="Tunga"/>
+        <a:font script="Guru" typeface="Raavi"/>
+        <a:font script="Cans" typeface="Euphemia"/>
+        <a:font script="Cher" typeface="Plantagenet Cherokee"/>
+        <a:font script="Yiii" typeface="Microsoft Yi Baiti"/>
+        <a:font script="Tibt" typeface="Microsoft Himalaya"/>
+        <a:font script="Thaa" typeface="MV Boli"/>
+        <a:font script="Deva" typeface="Mangal"/>
+        <a:font script="Telu" typeface="Gautami"/>
+        <a:font script="Taml" typeface="Latha"/>
+        <a:font script="Syrc" typeface="Estrangelo Edessa"/>
+        <a:font script="Orya" typeface="Kalinga"/>
+        <a:font script="Mlym" typeface="Kartika"/>
+        <a:font script="Laoo" typeface="DokChampa"/>
+        <a:font script="Sinh" typeface="Iskoola Pota"/>
+        <a:font script="Mong" typeface="Mongolian Baiti"/>
+        <a:font script="Viet" typeface="Arial"/>
+        <a:font script="Uigh" typeface="Microsoft Uighur"/>
+        <a:font script="Geor" typeface="Sylfaen"/>
+      </a:minorFont>
+    </a:fontScheme>
+    <a:fmtScheme name="Office">
+      <a:fillStyleLst>
+        <a:solidFill>
+          <a:schemeClr val="phClr"/>
+        </a:solidFill>
+        <a:gradFill rotWithShape="1">
+          <a:gsLst>
+            <a:gs pos="0">
+              <a:schemeClr val="phClr">
+                <a:tint val="50000"/>
+                <a:satMod val="300000"/>
+              </a:schemeClr>
+            </a:gs>
+            <a:gs pos="35000">
+              <a:schemeClr val="phClr">
+                <a:tint val="37000"/>
+                <a:satMod val="300000"/>
+              </a:schemeClr>
+            </a:gs>
+            <a:gs pos="100000">
+              <a:schemeClr val="phClr">
+                <a:tint val="15000"/>
+                <a:satMod val="350000"/>
+              </a:schemeClr>
+            </a:gs>
+          </a:gsLst>
+          <a:lin ang="16200000" scaled="1"/>
+        </a:gradFill>
+        <a:gradFill rotWithShape="1">
+          <a:gsLst>
+            <a:gs pos="0">
+              <a:schemeClr val="phClr">
+                <a:tint val="100000"/>
+                <a:shade val="100000"/>
+                <a:satMod val="130000"/>
+              </a:schemeClr>
+            </a:gs>
+            <a:gs pos="100000">
+              <a:schemeClr val="phClr">
+                <a:tint val="50000"/>
+                <a:shade val="100000"/>
+                <a:satMod val="350000"/>
+              </a:schemeClr>
+            </a:gs>
+          </a:gsLst>
+          <a:lin ang="16200000" scaled="0"/>
+        </a:gradFill>
+      </a:fillStyleLst>
+      <a:lnStyleLst>
+        <a:ln w="9525" cap="flat" cmpd="sng" algn="ctr">
+          <a:solidFill>
+            <a:schemeClr val="phClr">
+              <a:shade val="95000"/>
+              <a:satMod val="105000"/>
+            </a:schemeClr>
+          </a:solidFill>
+          <a:prstDash val="solid"/>
+        </a:ln>
+        <a:ln w="25400" cap="flat" cmpd="sng" algn="ctr">
+          <a:solidFill>
+            <a:schemeClr val="phClr"/>
+          </a:solidFill>
+          <a:prstDash val="solid"/>
+        </a:ln>
+        <a:ln w="38100" cap="flat" cmpd="sng" algn="ctr">
+          <a:solidFill>
+            <a:schemeClr val="phClr"/>
+          </a:solidFill>
+          <a:prstDash val="solid"/>
+        </a:ln>
+      </a:lnStyleLst>
+      <a:effectStyleLst>
+        <a:effectStyle>
+          <a:effectLst>
+            <a:outerShdw blurRad="40000" dist="20000" dir="5400000" rotWithShape="0">
+              <a:srgbClr val="000000">
+                <a:alpha val="38000"/>
+              </a:srgbClr>
+            </a:outerShdw>
+          </a:effectLst>
+        </a:effectStyle>
+        <a:effectStyle>
+          <a:effectLst>
+            <a:outerShdw blurRad="40000" dist="23000" dir="5400000" rotWithShape="0">
+              <a:srgbClr val="000000">
+                <a:alpha val="35000"/>
+              </a:srgbClr>
+            </a:outerShdw>
+          </a:effectLst>
+        </a:effectStyle>
+        <a:effectStyle>
+          <a:effectLst>
+            <a:outerShdw blurRad="40000" dist="23000" dir="5400000" rotWithShape="0">
+              <a:srgbClr val="000000">
+                <a:alpha val="35000"/>
+              </a:srgbClr>
+            </a:outerShdw>
+          </a:effectLst>
+          <a:scene3d>
+            <a:camera prst="orthographicFront">
+              <a:rot lat="0" lon="0" rev="0"/>
+            </a:camera>
+            <a:lightRig rig="threePt" dir="t">
+              <a:rot lat="0" lon="0" rev="1200000"/>
+            </a:lightRig>
+          </a:scene3d>
+          <a:sp3d>
+            <a:bevelT w="63500" h="25400"/>
+          </a:sp3d>
+        </a:effectStyle>
+      </a:effectStyleLst>
+      <a:bgFillStyleLst>
+        <a:solidFill>
+          <a:schemeClr val="phClr"/>
+        </a:solidFill>
+        <a:gradFill rotWithShape="1">
+          <a:gsLst>
+            <a:gs pos="0">
+              <a:schemeClr val="phClr">
+                <a:tint val="40000"/>
+                <a:satMod val="350000"/>
+              </a:schemeClr>
+            </a:gs>
+            <a:gs pos="40000">
+              <a:schemeClr val="phClr">
+                <a:tint val="45000"/>
+                <a:shade val="99000"/>
+                <a:satMod val="350000"/>
+              </a:schemeClr>
+            </a:gs>
+            <a:gs pos="100000">
+              <a:schemeClr val="phClr">
+                <a:shade val="20000"/>
+                <a:satMod val="255000"/>
+              </a:schemeClr>
+            </a:gs>
+          </a:gsLst>
+          <a:path path="circle">
+            <a:fillToRect l="50000" t="-80000" r="50000" b="180000"/>
+          </a:path>
+        </a:gradFill>
+        <a:gradFill rotWithShape="1">
+          <a:gsLst>
+            <a:gs pos="0">
+              <a:schemeClr val="phClr">
+                <a:tint val="80000"/>
+                <a:satMod val="300000"/>
+              </a:schemeClr>
+            </a:gs>
+            <a:gs pos="100000">
+              <a:schemeClr val="phClr">
+                <a:shade val="30000"/>
+                <a:satMod val="200000"/>
+              </a:schemeClr>
+            </a:gs>
+          </a:gsLst>
+          <a:path path="circle">
+            <a:fillToRect l="50000" t="50000" r="50000" b="50000"/>
+          </a:path>
+        </a:gradFill>
+      </a:bgFillStyleLst>
+    </a:fmtScheme>
+  </a:themeElements>
+</a:theme>
+</file>
+
+<file path=ppt/theme/theme2.xml><?xml version="1.0" encoding="utf-8"?>
 <a:theme xmlns:a="http://schemas.openxmlformats.org/drawingml/2006/main" xmlns:r="http://schemas.openxmlformats.org/officeDocument/2006/relationships" name="Coral">
   <a:themeElements>
     <a:clrScheme name="Coral">
@@ -25649,283 +25928,4 @@
     </a:fmtScheme>
   </a:themeElements>
 </a:theme>
-</file>
-
-<file path=ppt/theme/theme2.xml><?xml version="1.0" encoding="utf-8"?>
-<a:theme xmlns:a="http://schemas.openxmlformats.org/drawingml/2006/main" xmlns:r="http://schemas.openxmlformats.org/officeDocument/2006/relationships">
-  <a:themeElements>
-    <a:clrScheme name="Default">
-      <a:dk1>
-        <a:srgbClr val="000000"/>
-      </a:dk1>
-      <a:lt1>
-        <a:srgbClr val="FFFFFF"/>
-      </a:lt1>
-      <a:dk2>
-        <a:srgbClr val="158158"/>
-      </a:dk2>
-      <a:lt2>
-        <a:srgbClr val="F3F3F3"/>
-      </a:lt2>
-      <a:accent1>
-        <a:srgbClr val="058DC7"/>
-      </a:accent1>
-      <a:accent2>
-        <a:srgbClr val="50B432"/>
-      </a:accent2>
-      <a:accent3>
-        <a:srgbClr val="ED561B"/>
-      </a:accent3>
-      <a:accent4>
-        <a:srgbClr val="EDEF00"/>
-      </a:accent4>
-      <a:accent5>
-        <a:srgbClr val="24CBE5"/>
-      </a:accent5>
-      <a:accent6>
-        <a:srgbClr val="64E572"/>
-      </a:accent6>
-      <a:hlink>
-        <a:srgbClr val="2200CC"/>
-      </a:hlink>
-      <a:folHlink>
-        <a:srgbClr val="551A8B"/>
-      </a:folHlink>
-    </a:clrScheme>
-    <a:fontScheme name="Office">
-      <a:majorFont>
-        <a:latin typeface="Arial"/>
-        <a:ea typeface=""/>
-        <a:cs typeface=""/>
-        <a:font script="Jpan" typeface="ＭＳ Ｐゴシック"/>
-        <a:font script="Hang" typeface="맑은 고딕"/>
-        <a:font script="Hans" typeface="宋体"/>
-        <a:font script="Hant" typeface="新細明體"/>
-        <a:font script="Arab" typeface="Times New Roman"/>
-        <a:font script="Hebr" typeface="Times New Roman"/>
-        <a:font script="Thai" typeface="Angsana New"/>
-        <a:font script="Ethi" typeface="Nyala"/>
-        <a:font script="Beng" typeface="Vrinda"/>
-        <a:font script="Gujr" typeface="Shruti"/>
-        <a:font script="Khmr" typeface="MoolBoran"/>
-        <a:font script="Knda" typeface="Tunga"/>
-        <a:font script="Guru" typeface="Raavi"/>
-        <a:font script="Cans" typeface="Euphemia"/>
-        <a:font script="Cher" typeface="Plantagenet Cherokee"/>
-        <a:font script="Yiii" typeface="Microsoft Yi Baiti"/>
-        <a:font script="Tibt" typeface="Microsoft Himalaya"/>
-        <a:font script="Thaa" typeface="MV Boli"/>
-        <a:font script="Deva" typeface="Mangal"/>
-        <a:font script="Telu" typeface="Gautami"/>
-        <a:font script="Taml" typeface="Latha"/>
-        <a:font script="Syrc" typeface="Estrangelo Edessa"/>
-        <a:font script="Orya" typeface="Kalinga"/>
-        <a:font script="Mlym" typeface="Kartika"/>
-        <a:font script="Laoo" typeface="DokChampa"/>
-        <a:font script="Sinh" typeface="Iskoola Pota"/>
-        <a:font script="Mong" typeface="Mongolian Baiti"/>
-        <a:font script="Viet" typeface="Times New Roman"/>
-        <a:font script="Uigh" typeface="Microsoft Uighur"/>
-        <a:font script="Geor" typeface="Sylfaen"/>
-      </a:majorFont>
-      <a:minorFont>
-        <a:latin typeface="Arial"/>
-        <a:ea typeface=""/>
-        <a:cs typeface=""/>
-        <a:font script="Jpan" typeface="ＭＳ Ｐゴシック"/>
-        <a:font script="Hang" typeface="맑은 고딕"/>
-        <a:font script="Hans" typeface="宋体"/>
-        <a:font script="Hant" typeface="新細明體"/>
-        <a:font script="Arab" typeface="Arial"/>
-        <a:font script="Hebr" typeface="Arial"/>
-        <a:font script="Thai" typeface="Cordia New"/>
-        <a:font script="Ethi" typeface="Nyala"/>
-        <a:font script="Beng" typeface="Vrinda"/>
-        <a:font script="Gujr" typeface="Shruti"/>
-        <a:font script="Khmr" typeface="DaunPenh"/>
-        <a:font script="Knda" typeface="Tunga"/>
-        <a:font script="Guru" typeface="Raavi"/>
-        <a:font script="Cans" typeface="Euphemia"/>
-        <a:font script="Cher" typeface="Plantagenet Cherokee"/>
-        <a:font script="Yiii" typeface="Microsoft Yi Baiti"/>
-        <a:font script="Tibt" typeface="Microsoft Himalaya"/>
-        <a:font script="Thaa" typeface="MV Boli"/>
-        <a:font script="Deva" typeface="Mangal"/>
-        <a:font script="Telu" typeface="Gautami"/>
-        <a:font script="Taml" typeface="Latha"/>
-        <a:font script="Syrc" typeface="Estrangelo Edessa"/>
-        <a:font script="Orya" typeface="Kalinga"/>
-        <a:font script="Mlym" typeface="Kartika"/>
-        <a:font script="Laoo" typeface="DokChampa"/>
-        <a:font script="Sinh" typeface="Iskoola Pota"/>
-        <a:font script="Mong" typeface="Mongolian Baiti"/>
-        <a:font script="Viet" typeface="Arial"/>
-        <a:font script="Uigh" typeface="Microsoft Uighur"/>
-        <a:font script="Geor" typeface="Sylfaen"/>
-      </a:minorFont>
-    </a:fontScheme>
-    <a:fmtScheme name="Office">
-      <a:fillStyleLst>
-        <a:solidFill>
-          <a:schemeClr val="phClr"/>
-        </a:solidFill>
-        <a:gradFill rotWithShape="1">
-          <a:gsLst>
-            <a:gs pos="0">
-              <a:schemeClr val="phClr">
-                <a:tint val="50000"/>
-                <a:satMod val="300000"/>
-              </a:schemeClr>
-            </a:gs>
-            <a:gs pos="35000">
-              <a:schemeClr val="phClr">
-                <a:tint val="37000"/>
-                <a:satMod val="300000"/>
-              </a:schemeClr>
-            </a:gs>
-            <a:gs pos="100000">
-              <a:schemeClr val="phClr">
-                <a:tint val="15000"/>
-                <a:satMod val="350000"/>
-              </a:schemeClr>
-            </a:gs>
-          </a:gsLst>
-          <a:lin ang="16200000" scaled="1"/>
-        </a:gradFill>
-        <a:gradFill rotWithShape="1">
-          <a:gsLst>
-            <a:gs pos="0">
-              <a:schemeClr val="phClr">
-                <a:tint val="100000"/>
-                <a:shade val="100000"/>
-                <a:satMod val="130000"/>
-              </a:schemeClr>
-            </a:gs>
-            <a:gs pos="100000">
-              <a:schemeClr val="phClr">
-                <a:tint val="50000"/>
-                <a:shade val="100000"/>
-                <a:satMod val="350000"/>
-              </a:schemeClr>
-            </a:gs>
-          </a:gsLst>
-          <a:lin ang="16200000" scaled="0"/>
-        </a:gradFill>
-      </a:fillStyleLst>
-      <a:lnStyleLst>
-        <a:ln w="9525" cap="flat" cmpd="sng" algn="ctr">
-          <a:solidFill>
-            <a:schemeClr val="phClr">
-              <a:shade val="95000"/>
-              <a:satMod val="105000"/>
-            </a:schemeClr>
-          </a:solidFill>
-          <a:prstDash val="solid"/>
-        </a:ln>
-        <a:ln w="25400" cap="flat" cmpd="sng" algn="ctr">
-          <a:solidFill>
-            <a:schemeClr val="phClr"/>
-          </a:solidFill>
-          <a:prstDash val="solid"/>
-        </a:ln>
-        <a:ln w="38100" cap="flat" cmpd="sng" algn="ctr">
-          <a:solidFill>
-            <a:schemeClr val="phClr"/>
-          </a:solidFill>
-          <a:prstDash val="solid"/>
-        </a:ln>
-      </a:lnStyleLst>
-      <a:effectStyleLst>
-        <a:effectStyle>
-          <a:effectLst>
-            <a:outerShdw blurRad="40000" dist="20000" dir="5400000" rotWithShape="0">
-              <a:srgbClr val="000000">
-                <a:alpha val="38000"/>
-              </a:srgbClr>
-            </a:outerShdw>
-          </a:effectLst>
-        </a:effectStyle>
-        <a:effectStyle>
-          <a:effectLst>
-            <a:outerShdw blurRad="40000" dist="23000" dir="5400000" rotWithShape="0">
-              <a:srgbClr val="000000">
-                <a:alpha val="35000"/>
-              </a:srgbClr>
-            </a:outerShdw>
-          </a:effectLst>
-        </a:effectStyle>
-        <a:effectStyle>
-          <a:effectLst>
-            <a:outerShdw blurRad="40000" dist="23000" dir="5400000" rotWithShape="0">
-              <a:srgbClr val="000000">
-                <a:alpha val="35000"/>
-              </a:srgbClr>
-            </a:outerShdw>
-          </a:effectLst>
-          <a:scene3d>
-            <a:camera prst="orthographicFront">
-              <a:rot lat="0" lon="0" rev="0"/>
-            </a:camera>
-            <a:lightRig rig="threePt" dir="t">
-              <a:rot lat="0" lon="0" rev="1200000"/>
-            </a:lightRig>
-          </a:scene3d>
-          <a:sp3d>
-            <a:bevelT w="63500" h="25400"/>
-          </a:sp3d>
-        </a:effectStyle>
-      </a:effectStyleLst>
-      <a:bgFillStyleLst>
-        <a:solidFill>
-          <a:schemeClr val="phClr"/>
-        </a:solidFill>
-        <a:gradFill rotWithShape="1">
-          <a:gsLst>
-            <a:gs pos="0">
-              <a:schemeClr val="phClr">
-                <a:tint val="40000"/>
-                <a:satMod val="350000"/>
-              </a:schemeClr>
-            </a:gs>
-            <a:gs pos="40000">
-              <a:schemeClr val="phClr">
-                <a:tint val="45000"/>
-                <a:shade val="99000"/>
-                <a:satMod val="350000"/>
-              </a:schemeClr>
-            </a:gs>
-            <a:gs pos="100000">
-              <a:schemeClr val="phClr">
-                <a:shade val="20000"/>
-                <a:satMod val="255000"/>
-              </a:schemeClr>
-            </a:gs>
-          </a:gsLst>
-          <a:path path="circle">
-            <a:fillToRect l="50000" t="-80000" r="50000" b="180000"/>
-          </a:path>
-        </a:gradFill>
-        <a:gradFill rotWithShape="1">
-          <a:gsLst>
-            <a:gs pos="0">
-              <a:schemeClr val="phClr">
-                <a:tint val="80000"/>
-                <a:satMod val="300000"/>
-              </a:schemeClr>
-            </a:gs>
-            <a:gs pos="100000">
-              <a:schemeClr val="phClr">
-                <a:shade val="30000"/>
-                <a:satMod val="200000"/>
-              </a:schemeClr>
-            </a:gs>
-          </a:gsLst>
-          <a:path path="circle">
-            <a:fillToRect l="50000" t="50000" r="50000" b="50000"/>
-          </a:path>
-        </a:gradFill>
-      </a:bgFillStyleLst>
-    </a:fmtScheme>
-  </a:themeElements>
-</a:theme>
 </file>
--- a/presentations/PM Review.pptx
+++ b/presentations/PM Review.pptx
@@ -11799,7 +11799,7 @@
                   <a:schemeClr val="dk1"/>
                 </a:highlight>
               </a:rPr>
-              <a:t>Cloud deployment:</a:t>
+              <a:t>Cloud Deployment:</a:t>
             </a:r>
             <a:endParaRPr dirty="0">
               <a:solidFill>
@@ -11830,7 +11830,7 @@
                   <a:srgbClr val="000000"/>
                 </a:solidFill>
               </a:rPr>
-              <a:t>Admin Password: passphrase</a:t>
+              <a:t>Admin Password: Help@123</a:t>
             </a:r>
             <a:endParaRPr dirty="0">
               <a:solidFill>
@@ -13392,7 +13392,7 @@
         </p:nvGraphicFramePr>
         <p:xfrm>
           <a:off x="381425" y="1281225"/>
-          <a:ext cx="3000000" cy="3000000"/>
+          <a:ext cx="8042700" cy="3312891"/>
         </p:xfrm>
         <a:graphic>
           <a:graphicData uri="http://schemas.openxmlformats.org/drawingml/2006/table">
@@ -22324,7 +22324,7 @@
         </p:nvGraphicFramePr>
         <p:xfrm>
           <a:off x="311700" y="789650"/>
-          <a:ext cx="3000000" cy="3000000"/>
+          <a:ext cx="8252600" cy="4137075"/>
         </p:xfrm>
         <a:graphic>
           <a:graphicData uri="http://schemas.openxmlformats.org/drawingml/2006/table">

--- a/presentations/PM Review.pptx
+++ b/presentations/PM Review.pptx
@@ -2027,7 +2027,7 @@
         </p:nvSpPr>
         <p:spPr>
           <a:xfrm>
-            <a:off x="381300" y="685800"/>
+            <a:off x="381000" y="685800"/>
             <a:ext cx="6096000" cy="3429000"/>
           </a:xfrm>
           <a:custGeom>
@@ -11998,10 +11998,10 @@
               <a:buNone/>
             </a:pPr>
             <a:r>
-              <a:rPr lang="en-GB" b="1"/>
+              <a:rPr lang="en-GB" b="1" dirty="0"/>
               <a:t>Total Bug Metrics: 41</a:t>
             </a:r>
-            <a:endParaRPr b="1"/>
+            <a:endParaRPr b="1" dirty="0"/>
           </a:p>
           <a:p>
             <a:pPr marL="0" lvl="0" indent="0" algn="l" rtl="0">
@@ -12014,10 +12014,10 @@
               <a:buNone/>
             </a:pPr>
             <a:r>
-              <a:rPr lang="en-GB"/>
+              <a:rPr lang="en-GB" dirty="0"/>
               <a:t>Bugs with 1 point were detected and solved immediately.</a:t>
             </a:r>
-            <a:endParaRPr/>
+            <a:endParaRPr dirty="0"/>
           </a:p>
           <a:p>
             <a:pPr marL="0" lvl="0" indent="0" algn="l" rtl="0">
@@ -12030,10 +12030,9 @@
               <a:buNone/>
             </a:pPr>
             <a:r>
-              <a:rPr lang="en-GB"/>
+              <a:rPr lang="en-GB" dirty="0"/>
               <a:t>Mitigation: When more bugs with 5 points were detected, -&gt;debugging session was scheduled on 24/9/2019 to meet and had -&gt;discussion with the coders to resolve the bugs.</a:t>
             </a:r>
-            <a:endParaRPr/>
           </a:p>
           <a:p>
             <a:pPr marL="0" lvl="0" indent="0" algn="l" rtl="0">
@@ -12041,11 +12040,27 @@
                 <a:spcPts val="1600"/>
               </a:spcBef>
               <a:spcAft>
+                <a:spcPts val="0"/>
+              </a:spcAft>
+              <a:buNone/>
+            </a:pPr>
+            <a:endParaRPr dirty="0"/>
+          </a:p>
+          <a:p>
+            <a:pPr marL="0" lvl="0" indent="0" algn="l" rtl="0">
+              <a:spcBef>
                 <a:spcPts val="1600"/>
+              </a:spcBef>
+              <a:spcAft>
+                <a:spcPts val="1600"/>
               </a:spcAft>
               <a:buNone/>
             </a:pPr>
-            <a:endParaRPr/>
+            <a:r>
+              <a:rPr lang="en-US" b="1" dirty="0"/>
+              <a:t>All the bugs have been resolved. </a:t>
+            </a:r>
+            <a:endParaRPr b="1" dirty="0"/>
           </a:p>
         </p:txBody>
       </p:sp>

--- a/presentations/PM Review.pptx
+++ b/presentations/PM Review.pptx
@@ -2443,7 +2443,7 @@
         </p:nvSpPr>
         <p:spPr>
           <a:xfrm>
-            <a:off x="381300" y="685800"/>
+            <a:off x="381000" y="685800"/>
             <a:ext cx="6096000" cy="3429000"/>
           </a:xfrm>
           <a:custGeom>
@@ -2547,7 +2547,7 @@
         </p:nvSpPr>
         <p:spPr>
           <a:xfrm>
-            <a:off x="381300" y="685800"/>
+            <a:off x="381000" y="685800"/>
             <a:ext cx="6096000" cy="3429000"/>
           </a:xfrm>
           <a:custGeom>
@@ -2651,7 +2651,7 @@
         </p:nvSpPr>
         <p:spPr>
           <a:xfrm>
-            <a:off x="381300" y="685800"/>
+            <a:off x="381000" y="685800"/>
             <a:ext cx="6096000" cy="3429000"/>
           </a:xfrm>
           <a:custGeom>
@@ -14870,7 +14870,13 @@
         <p:nvGraphicFramePr>
           <p:cNvPr id="217" name="Google Shape;217;p36"/>
           <p:cNvGraphicFramePr/>
-          <p:nvPr/>
+          <p:nvPr>
+            <p:extLst>
+              <p:ext uri="{D42A27DB-BD31-4B8C-83A1-F6EECF244321}">
+                <p14:modId xmlns:p14="http://schemas.microsoft.com/office/powerpoint/2010/main" val="2075150007"/>
+              </p:ext>
+            </p:extLst>
+          </p:nvPr>
         </p:nvGraphicFramePr>
         <p:xfrm>
           <a:off x="311700" y="964175"/>
@@ -15078,7 +15084,7 @@
                         <a:buChar char="●"/>
                       </a:pPr>
                       <a:r>
-                        <a:rPr lang="en-GB">
+                        <a:rPr lang="en-GB" dirty="0">
                           <a:latin typeface="Nunito"/>
                           <a:ea typeface="Nunito"/>
                           <a:cs typeface="Nunito"/>
@@ -15086,7 +15092,7 @@
                         </a:rPr>
                         <a:t>Daily Updates</a:t>
                       </a:r>
-                      <a:endParaRPr>
+                      <a:endParaRPr dirty="0">
                         <a:latin typeface="Nunito"/>
                         <a:ea typeface="Nunito"/>
                         <a:cs typeface="Nunito"/>
@@ -15109,7 +15115,7 @@
                         <a:buChar char="●"/>
                       </a:pPr>
                       <a:r>
-                        <a:rPr lang="en-GB">
+                        <a:rPr lang="en-GB" dirty="0">
                           <a:latin typeface="Nunito"/>
                           <a:ea typeface="Nunito"/>
                           <a:cs typeface="Nunito"/>
@@ -15117,7 +15123,7 @@
                         </a:rPr>
                         <a:t>Schedule Planning for all Iterations</a:t>
                       </a:r>
-                      <a:endParaRPr>
+                      <a:endParaRPr dirty="0">
                         <a:latin typeface="Nunito"/>
                         <a:ea typeface="Nunito"/>
                         <a:cs typeface="Nunito"/>
@@ -15140,15 +15146,15 @@
                         <a:buChar char="●"/>
                       </a:pPr>
                       <a:r>
-                        <a:rPr lang="en-GB">
+                        <a:rPr lang="en-GB" dirty="0">
                           <a:latin typeface="Nunito"/>
                           <a:ea typeface="Nunito"/>
                           <a:cs typeface="Nunito"/>
                           <a:sym typeface="Nunito"/>
                         </a:rPr>
-                        <a:t>Manage Schedule and ensure team is ready for UAT</a:t>
+                        <a:t>Manage Schedule and ensure team is ready for application demo</a:t>
                       </a:r>
-                      <a:endParaRPr>
+                      <a:endParaRPr dirty="0">
                         <a:latin typeface="Nunito"/>
                         <a:ea typeface="Nunito"/>
                         <a:cs typeface="Nunito"/>
@@ -15176,7 +15182,7 @@
                         <a:buNone/>
                       </a:pPr>
                       <a:r>
-                        <a:rPr lang="en-GB">
+                        <a:rPr lang="en-GB" dirty="0">
                           <a:latin typeface="Nunito"/>
                           <a:ea typeface="Nunito"/>
                           <a:cs typeface="Nunito"/>
@@ -15184,7 +15190,7 @@
                         </a:rPr>
                         <a:t>See Hoe</a:t>
                       </a:r>
-                      <a:endParaRPr>
+                      <a:endParaRPr dirty="0">
                         <a:latin typeface="Nunito"/>
                         <a:ea typeface="Nunito"/>
                         <a:cs typeface="Nunito"/>
@@ -15523,7 +15529,7 @@
                         <a:buNone/>
                       </a:pPr>
                       <a:r>
-                        <a:rPr lang="en-GB">
+                        <a:rPr lang="en-GB" dirty="0">
                           <a:latin typeface="Nunito"/>
                           <a:ea typeface="Nunito"/>
                           <a:cs typeface="Nunito"/>
@@ -15531,7 +15537,7 @@
                         </a:rPr>
                         <a:t>Yi Bing, Leonard</a:t>
                       </a:r>
-                      <a:endParaRPr>
+                      <a:endParaRPr dirty="0">
                         <a:latin typeface="Nunito"/>
                         <a:ea typeface="Nunito"/>
                         <a:cs typeface="Nunito"/>
@@ -15622,7 +15628,13 @@
         <p:nvGraphicFramePr>
           <p:cNvPr id="223" name="Google Shape;223;p37"/>
           <p:cNvGraphicFramePr/>
-          <p:nvPr/>
+          <p:nvPr>
+            <p:extLst>
+              <p:ext uri="{D42A27DB-BD31-4B8C-83A1-F6EECF244321}">
+                <p14:modId xmlns:p14="http://schemas.microsoft.com/office/powerpoint/2010/main" val="524456054"/>
+              </p:ext>
+            </p:extLst>
+          </p:nvPr>
         </p:nvGraphicFramePr>
         <p:xfrm>
           <a:off x="393425" y="1090075"/>
@@ -15830,7 +15842,7 @@
                         <a:buChar char="●"/>
                       </a:pPr>
                       <a:r>
-                        <a:rPr lang="en-GB">
+                        <a:rPr lang="en-GB" dirty="0">
                           <a:latin typeface="Nunito"/>
                           <a:ea typeface="Nunito"/>
                           <a:cs typeface="Nunito"/>
@@ -15838,7 +15850,7 @@
                         </a:rPr>
                         <a:t>Daily Updates</a:t>
                       </a:r>
-                      <a:endParaRPr>
+                      <a:endParaRPr dirty="0">
                         <a:latin typeface="Nunito"/>
                         <a:ea typeface="Nunito"/>
                         <a:cs typeface="Nunito"/>
@@ -15861,7 +15873,7 @@
                         <a:buChar char="●"/>
                       </a:pPr>
                       <a:r>
-                        <a:rPr lang="en-GB">
+                        <a:rPr lang="en-GB" dirty="0">
                           <a:latin typeface="Nunito"/>
                           <a:ea typeface="Nunito"/>
                           <a:cs typeface="Nunito"/>
@@ -15869,7 +15881,7 @@
                         </a:rPr>
                         <a:t>Schedule Planning for all Iterations</a:t>
                       </a:r>
-                      <a:endParaRPr>
+                      <a:endParaRPr dirty="0">
                         <a:latin typeface="Nunito"/>
                         <a:ea typeface="Nunito"/>
                         <a:cs typeface="Nunito"/>
@@ -15892,15 +15904,15 @@
                         <a:buChar char="●"/>
                       </a:pPr>
                       <a:r>
-                        <a:rPr lang="en-GB">
+                        <a:rPr lang="en-GB" dirty="0">
                           <a:latin typeface="Nunito"/>
                           <a:ea typeface="Nunito"/>
                           <a:cs typeface="Nunito"/>
                           <a:sym typeface="Nunito"/>
                         </a:rPr>
-                        <a:t>Manage Schedule and ensure team is ready for UAT &amp; Final Submission</a:t>
+                        <a:t>Manage Schedule and ensure team is ready for UAT</a:t>
                       </a:r>
-                      <a:endParaRPr>
+                      <a:endParaRPr dirty="0">
                         <a:latin typeface="Nunito"/>
                         <a:ea typeface="Nunito"/>
                         <a:cs typeface="Nunito"/>
@@ -15928,7 +15940,7 @@
                         <a:buNone/>
                       </a:pPr>
                       <a:r>
-                        <a:rPr lang="en-GB">
+                        <a:rPr lang="en-GB" dirty="0">
                           <a:latin typeface="Nunito"/>
                           <a:ea typeface="Nunito"/>
                           <a:cs typeface="Nunito"/>
@@ -15936,7 +15948,7 @@
                         </a:rPr>
                         <a:t>Yi Bing</a:t>
                       </a:r>
-                      <a:endParaRPr>
+                      <a:endParaRPr dirty="0">
                         <a:latin typeface="Nunito"/>
                         <a:ea typeface="Nunito"/>
                         <a:cs typeface="Nunito"/>
@@ -16162,7 +16174,7 @@
                         <a:buNone/>
                       </a:pPr>
                       <a:r>
-                        <a:rPr lang="en-GB">
+                        <a:rPr lang="en-GB" dirty="0">
                           <a:latin typeface="Nunito"/>
                           <a:ea typeface="Nunito"/>
                           <a:cs typeface="Nunito"/>
@@ -16170,7 +16182,7 @@
                         </a:rPr>
                         <a:t>See Hoe, Serene</a:t>
                       </a:r>
-                      <a:endParaRPr>
+                      <a:endParaRPr dirty="0">
                         <a:latin typeface="Nunito"/>
                         <a:ea typeface="Nunito"/>
                         <a:cs typeface="Nunito"/>
@@ -16261,11 +16273,17 @@
         <p:nvGraphicFramePr>
           <p:cNvPr id="229" name="Google Shape;229;p38"/>
           <p:cNvGraphicFramePr/>
-          <p:nvPr/>
+          <p:nvPr>
+            <p:extLst>
+              <p:ext uri="{D42A27DB-BD31-4B8C-83A1-F6EECF244321}">
+                <p14:modId xmlns:p14="http://schemas.microsoft.com/office/powerpoint/2010/main" val="581634822"/>
+              </p:ext>
+            </p:extLst>
+          </p:nvPr>
         </p:nvGraphicFramePr>
         <p:xfrm>
           <a:off x="393425" y="1090075"/>
-          <a:ext cx="8042700" cy="3527633"/>
+          <a:ext cx="8042700" cy="3772997"/>
         </p:xfrm>
         <a:graphic>
           <a:graphicData uri="http://schemas.openxmlformats.org/drawingml/2006/table">
@@ -16469,7 +16487,7 @@
                         <a:buChar char="●"/>
                       </a:pPr>
                       <a:r>
-                        <a:rPr lang="en-GB">
+                        <a:rPr lang="en-GB" dirty="0">
                           <a:latin typeface="Nunito"/>
                           <a:ea typeface="Nunito"/>
                           <a:cs typeface="Nunito"/>
@@ -16477,7 +16495,7 @@
                         </a:rPr>
                         <a:t>Daily Updates</a:t>
                       </a:r>
-                      <a:endParaRPr>
+                      <a:endParaRPr dirty="0">
                         <a:latin typeface="Nunito"/>
                         <a:ea typeface="Nunito"/>
                         <a:cs typeface="Nunito"/>
@@ -16500,7 +16518,7 @@
                         <a:buChar char="●"/>
                       </a:pPr>
                       <a:r>
-                        <a:rPr lang="en-GB">
+                        <a:rPr lang="en-GB" dirty="0">
                           <a:latin typeface="Nunito"/>
                           <a:ea typeface="Nunito"/>
                           <a:cs typeface="Nunito"/>
@@ -16508,7 +16526,7 @@
                         </a:rPr>
                         <a:t>Schedule Planning for all Iterations</a:t>
                       </a:r>
-                      <a:endParaRPr>
+                      <a:endParaRPr dirty="0">
                         <a:latin typeface="Nunito"/>
                         <a:ea typeface="Nunito"/>
                         <a:cs typeface="Nunito"/>
@@ -16531,15 +16549,15 @@
                         <a:buChar char="●"/>
                       </a:pPr>
                       <a:r>
-                        <a:rPr lang="en-GB">
+                        <a:rPr lang="en-GB" dirty="0">
                           <a:latin typeface="Nunito"/>
                           <a:ea typeface="Nunito"/>
                           <a:cs typeface="Nunito"/>
                           <a:sym typeface="Nunito"/>
                         </a:rPr>
-                        <a:t>Manage Schedule and ensure team is ready for Final Presentation</a:t>
+                        <a:t>Manage Schedule and ensure team is ready for Submission and Final Presentation</a:t>
                       </a:r>
-                      <a:endParaRPr>
+                      <a:endParaRPr dirty="0">
                         <a:latin typeface="Nunito"/>
                         <a:ea typeface="Nunito"/>
                         <a:cs typeface="Nunito"/>
@@ -16801,7 +16819,7 @@
                         <a:buNone/>
                       </a:pPr>
                       <a:r>
-                        <a:rPr lang="en-GB">
+                        <a:rPr lang="en-GB" dirty="0">
                           <a:latin typeface="Nunito"/>
                           <a:ea typeface="Nunito"/>
                           <a:cs typeface="Nunito"/>
@@ -16809,7 +16827,7 @@
                         </a:rPr>
                         <a:t>Leonard, See Hoe</a:t>
                       </a:r>
-                      <a:endParaRPr>
+                      <a:endParaRPr dirty="0">
                         <a:latin typeface="Nunito"/>
                         <a:ea typeface="Nunito"/>
                         <a:cs typeface="Nunito"/>

--- a/presentations/PM Review.pptx
+++ b/presentations/PM Review.pptx
@@ -2859,7 +2859,7 @@
         </p:nvSpPr>
         <p:spPr>
           <a:xfrm>
-            <a:off x="381300" y="685800"/>
+            <a:off x="381000" y="685800"/>
             <a:ext cx="6096000" cy="3429000"/>
           </a:xfrm>
           <a:custGeom>
@@ -2963,7 +2963,7 @@
         </p:nvSpPr>
         <p:spPr>
           <a:xfrm>
-            <a:off x="381300" y="685800"/>
+            <a:off x="381000" y="685800"/>
             <a:ext cx="6096000" cy="3429000"/>
           </a:xfrm>
           <a:custGeom>
@@ -18229,10 +18229,10 @@
               <a:buNone/>
             </a:pPr>
             <a:r>
-              <a:rPr lang="en-GB"/>
+              <a:rPr lang="en-GB" dirty="0"/>
               <a:t>Bird’s Eye View on Schedule</a:t>
             </a:r>
-            <a:endParaRPr/>
+            <a:endParaRPr dirty="0"/>
           </a:p>
         </p:txBody>
       </p:sp>
@@ -18565,7 +18565,7 @@
               <a:buNone/>
             </a:pPr>
             <a:r>
-              <a:rPr lang="en-GB" b="1">
+              <a:rPr lang="en-GB" b="1" dirty="0">
                 <a:latin typeface="Lato"/>
                 <a:ea typeface="Lato"/>
                 <a:cs typeface="Lato"/>
@@ -18573,7 +18573,7 @@
               </a:rPr>
               <a:t>Iteration 5 (PM Serene): </a:t>
             </a:r>
-            <a:endParaRPr b="1">
+            <a:endParaRPr b="1" dirty="0">
               <a:latin typeface="Lato"/>
               <a:ea typeface="Lato"/>
               <a:cs typeface="Lato"/>
@@ -18591,15 +18591,15 @@
               <a:buNone/>
             </a:pPr>
             <a:r>
-              <a:rPr lang="en-GB" b="1">
+              <a:rPr lang="en-GB" b="1" dirty="0">
                 <a:latin typeface="Lato"/>
                 <a:ea typeface="Lato"/>
                 <a:cs typeface="Lato"/>
                 <a:sym typeface="Lato"/>
               </a:rPr>
-              <a:t>14 Nov- 21 Nov</a:t>
+              <a:t>15 Nov- 21 Nov</a:t>
             </a:r>
-            <a:endParaRPr b="1">
+            <a:endParaRPr b="1" dirty="0">
               <a:latin typeface="Lato"/>
               <a:ea typeface="Lato"/>
               <a:cs typeface="Lato"/>
@@ -18617,7 +18617,7 @@
               <a:buNone/>
             </a:pPr>
             <a:r>
-              <a:rPr lang="en-GB" b="1">
+              <a:rPr lang="en-GB" b="1" dirty="0">
                 <a:latin typeface="Lato"/>
                 <a:ea typeface="Lato"/>
                 <a:cs typeface="Lato"/>
@@ -18625,7 +18625,7 @@
               </a:rPr>
               <a:t>Days: 7</a:t>
             </a:r>
-            <a:endParaRPr b="1">
+            <a:endParaRPr b="1" dirty="0">
               <a:latin typeface="Lato"/>
               <a:ea typeface="Lato"/>
               <a:cs typeface="Lato"/>
@@ -19051,7 +19051,13 @@
         <p:nvGraphicFramePr>
           <p:cNvPr id="88" name="Google Shape;88;p16"/>
           <p:cNvGraphicFramePr/>
-          <p:nvPr/>
+          <p:nvPr>
+            <p:extLst>
+              <p:ext uri="{D42A27DB-BD31-4B8C-83A1-F6EECF244321}">
+                <p14:modId xmlns:p14="http://schemas.microsoft.com/office/powerpoint/2010/main" val="412771331"/>
+              </p:ext>
+            </p:extLst>
+          </p:nvPr>
         </p:nvGraphicFramePr>
         <p:xfrm>
           <a:off x="494750" y="1017450"/>
@@ -19282,7 +19288,7 @@
                         <a:buNone/>
                       </a:pPr>
                       <a:r>
-                        <a:rPr lang="en-GB">
+                        <a:rPr lang="en-GB" dirty="0">
                           <a:latin typeface="Nunito"/>
                           <a:ea typeface="Nunito"/>
                           <a:cs typeface="Nunito"/>
@@ -19290,7 +19296,7 @@
                         </a:rPr>
                         <a:t>14-Sep (We started early)</a:t>
                       </a:r>
-                      <a:endParaRPr>
+                      <a:endParaRPr dirty="0">
                         <a:latin typeface="Nunito"/>
                         <a:ea typeface="Nunito"/>
                         <a:cs typeface="Nunito"/>
@@ -19315,15 +19321,15 @@
                         <a:buNone/>
                       </a:pPr>
                       <a:r>
-                        <a:rPr lang="en-GB">
+                        <a:rPr lang="en-GB" dirty="0">
                           <a:latin typeface="Nunito"/>
                           <a:ea typeface="Nunito"/>
                           <a:cs typeface="Nunito"/>
                           <a:sym typeface="Nunito"/>
                         </a:rPr>
-                        <a:t>28-Sep</a:t>
+                        <a:t>27-Sep</a:t>
                       </a:r>
-                      <a:endParaRPr>
+                      <a:endParaRPr dirty="0">
                         <a:latin typeface="Nunito"/>
                         <a:ea typeface="Nunito"/>
                         <a:cs typeface="Nunito"/>
@@ -19421,7 +19427,7 @@
                         <a:buNone/>
                       </a:pPr>
                       <a:r>
-                        <a:rPr lang="en-GB">
+                        <a:rPr lang="en-GB" dirty="0">
                           <a:latin typeface="Nunito"/>
                           <a:ea typeface="Nunito"/>
                           <a:cs typeface="Nunito"/>
@@ -19429,7 +19435,7 @@
                         </a:rPr>
                         <a:t>28-Sep</a:t>
                       </a:r>
-                      <a:endParaRPr>
+                      <a:endParaRPr dirty="0">
                         <a:latin typeface="Nunito"/>
                         <a:ea typeface="Nunito"/>
                         <a:cs typeface="Nunito"/>
@@ -19454,7 +19460,7 @@
                         <a:buNone/>
                       </a:pPr>
                       <a:r>
-                        <a:rPr lang="en-GB">
+                        <a:rPr lang="en-GB" dirty="0">
                           <a:latin typeface="Nunito"/>
                           <a:ea typeface="Nunito"/>
                           <a:cs typeface="Nunito"/>
@@ -19462,7 +19468,7 @@
                         </a:rPr>
                         <a:t>11-Oct</a:t>
                       </a:r>
-                      <a:endParaRPr>
+                      <a:endParaRPr dirty="0">
                         <a:latin typeface="Nunito"/>
                         <a:ea typeface="Nunito"/>
                         <a:cs typeface="Nunito"/>
@@ -19560,15 +19566,15 @@
                         <a:buNone/>
                       </a:pPr>
                       <a:r>
-                        <a:rPr lang="en-GB">
+                        <a:rPr lang="en-GB" dirty="0">
                           <a:latin typeface="Nunito"/>
                           <a:ea typeface="Nunito"/>
                           <a:cs typeface="Nunito"/>
                           <a:sym typeface="Nunito"/>
                         </a:rPr>
-                        <a:t>11-Oct</a:t>
+                        <a:t>12-Oct</a:t>
                       </a:r>
-                      <a:endParaRPr>
+                      <a:endParaRPr dirty="0">
                         <a:latin typeface="Nunito"/>
                         <a:ea typeface="Nunito"/>
                         <a:cs typeface="Nunito"/>
@@ -19593,15 +19599,15 @@
                         <a:buNone/>
                       </a:pPr>
                       <a:r>
-                        <a:rPr lang="en-GB">
+                        <a:rPr lang="en-GB" dirty="0">
                           <a:latin typeface="Nunito"/>
                           <a:ea typeface="Nunito"/>
                           <a:cs typeface="Nunito"/>
                           <a:sym typeface="Nunito"/>
                         </a:rPr>
-                        <a:t>26-Oct</a:t>
+                        <a:t>25-Oct</a:t>
                       </a:r>
-                      <a:endParaRPr>
+                      <a:endParaRPr dirty="0">
                         <a:latin typeface="Nunito"/>
                         <a:ea typeface="Nunito"/>
                         <a:cs typeface="Nunito"/>
@@ -19732,15 +19738,15 @@
                         <a:buNone/>
                       </a:pPr>
                       <a:r>
-                        <a:rPr lang="en-GB">
+                        <a:rPr lang="en-GB" dirty="0">
                           <a:latin typeface="Nunito"/>
                           <a:ea typeface="Nunito"/>
                           <a:cs typeface="Nunito"/>
                           <a:sym typeface="Nunito"/>
                         </a:rPr>
-                        <a:t>9-Nov</a:t>
+                        <a:t>14-Nov</a:t>
                       </a:r>
-                      <a:endParaRPr>
+                      <a:endParaRPr dirty="0">
                         <a:latin typeface="Nunito"/>
                         <a:ea typeface="Nunito"/>
                         <a:cs typeface="Nunito"/>
@@ -19838,15 +19844,15 @@
                         <a:buNone/>
                       </a:pPr>
                       <a:r>
-                        <a:rPr lang="en-GB">
+                        <a:rPr lang="en-GB" dirty="0">
                           <a:latin typeface="Nunito"/>
                           <a:ea typeface="Nunito"/>
                           <a:cs typeface="Nunito"/>
                           <a:sym typeface="Nunito"/>
                         </a:rPr>
-                        <a:t>10-Nov</a:t>
+                        <a:t>15-Nov</a:t>
                       </a:r>
-                      <a:endParaRPr>
+                      <a:endParaRPr dirty="0">
                         <a:latin typeface="Nunito"/>
                         <a:ea typeface="Nunito"/>
                         <a:cs typeface="Nunito"/>
@@ -19871,7 +19877,7 @@
                         <a:buNone/>
                       </a:pPr>
                       <a:r>
-                        <a:rPr lang="en-GB">
+                        <a:rPr lang="en-GB" dirty="0">
                           <a:latin typeface="Nunito"/>
                           <a:ea typeface="Nunito"/>
                           <a:cs typeface="Nunito"/>
@@ -19879,7 +19885,7 @@
                         </a:rPr>
                         <a:t>21-Nov</a:t>
                       </a:r>
-                      <a:endParaRPr>
+                      <a:endParaRPr dirty="0">
                         <a:latin typeface="Nunito"/>
                         <a:ea typeface="Nunito"/>
                         <a:cs typeface="Nunito"/>
@@ -19904,7 +19910,7 @@
                         <a:buNone/>
                       </a:pPr>
                       <a:r>
-                        <a:rPr lang="en-GB">
+                        <a:rPr lang="en-GB" dirty="0">
                           <a:latin typeface="Nunito"/>
                           <a:ea typeface="Nunito"/>
                           <a:cs typeface="Nunito"/>
@@ -19912,7 +19918,7 @@
                         </a:rPr>
                         <a:t>12, 13 (Project Submission) 17 Nov  – 14 (Final Presentation)</a:t>
                       </a:r>
-                      <a:endParaRPr>
+                      <a:endParaRPr dirty="0">
                         <a:latin typeface="Nunito"/>
                         <a:ea typeface="Nunito"/>
                         <a:cs typeface="Nunito"/>

--- a/presentations/PM Review.pptx
+++ b/presentations/PM Review.pptx
@@ -3171,7 +3171,7 @@
         </p:nvSpPr>
         <p:spPr>
           <a:xfrm>
-            <a:off x="381300" y="685800"/>
+            <a:off x="381000" y="685800"/>
             <a:ext cx="6096000" cy="3429000"/>
           </a:xfrm>
           <a:custGeom>
@@ -21464,7 +21464,7 @@
               <a:buNone/>
             </a:pPr>
             <a:r>
-              <a:rPr lang="en-GB" b="1">
+              <a:rPr lang="en-GB" b="1" dirty="0">
                 <a:latin typeface="Lato"/>
                 <a:ea typeface="Lato"/>
                 <a:cs typeface="Lato"/>
@@ -21472,7 +21472,7 @@
               </a:rPr>
               <a:t>Iteration 1: </a:t>
             </a:r>
-            <a:endParaRPr b="1">
+            <a:endParaRPr b="1" dirty="0">
               <a:latin typeface="Lato"/>
               <a:ea typeface="Lato"/>
               <a:cs typeface="Lato"/>
@@ -21490,15 +21490,43 @@
               <a:buNone/>
             </a:pPr>
             <a:r>
-              <a:rPr lang="en-GB" b="1">
+              <a:rPr lang="en-GB" b="1" dirty="0">
                 <a:latin typeface="Lato"/>
                 <a:ea typeface="Lato"/>
                 <a:cs typeface="Lato"/>
                 <a:sym typeface="Lato"/>
               </a:rPr>
-              <a:t>Milestone 1: PM Review</a:t>
+              <a:t>Functionality: </a:t>
             </a:r>
-            <a:endParaRPr b="1">
+            <a:endParaRPr b="1" dirty="0">
+              <a:latin typeface="Lato"/>
+              <a:ea typeface="Lato"/>
+              <a:cs typeface="Lato"/>
+              <a:sym typeface="Lato"/>
+            </a:endParaRPr>
+          </a:p>
+          <a:p>
+            <a:pPr marL="457200" lvl="0" indent="-317500" algn="l" rtl="0">
+              <a:spcBef>
+                <a:spcPts val="0"/>
+              </a:spcBef>
+              <a:spcAft>
+                <a:spcPts val="0"/>
+              </a:spcAft>
+              <a:buSzPts val="1400"/>
+              <a:buFont typeface="Lato"/>
+              <a:buChar char="●"/>
+            </a:pPr>
+            <a:r>
+              <a:rPr lang="en-GB" b="1" dirty="0">
+                <a:latin typeface="Lato"/>
+                <a:ea typeface="Lato"/>
+                <a:cs typeface="Lato"/>
+                <a:sym typeface="Lato"/>
+              </a:rPr>
+              <a:t>Login + Bootstrap</a:t>
+            </a:r>
+            <a:endParaRPr b="1" dirty="0">
               <a:latin typeface="Lato"/>
               <a:ea typeface="Lato"/>
               <a:cs typeface="Lato"/>
@@ -21515,61 +21543,7 @@
               </a:spcAft>
               <a:buNone/>
             </a:pPr>
-            <a:r>
-              <a:rPr lang="en-GB" b="1">
-                <a:latin typeface="Lato"/>
-                <a:ea typeface="Lato"/>
-                <a:cs typeface="Lato"/>
-                <a:sym typeface="Lato"/>
-              </a:rPr>
-              <a:t>Functionality: </a:t>
-            </a:r>
-            <a:endParaRPr b="1">
-              <a:latin typeface="Lato"/>
-              <a:ea typeface="Lato"/>
-              <a:cs typeface="Lato"/>
-              <a:sym typeface="Lato"/>
-            </a:endParaRPr>
-          </a:p>
-          <a:p>
-            <a:pPr marL="457200" lvl="0" indent="-317500" algn="l" rtl="0">
-              <a:spcBef>
-                <a:spcPts val="0"/>
-              </a:spcBef>
-              <a:spcAft>
-                <a:spcPts val="0"/>
-              </a:spcAft>
-              <a:buSzPts val="1400"/>
-              <a:buFont typeface="Lato"/>
-              <a:buChar char="●"/>
-            </a:pPr>
-            <a:r>
-              <a:rPr lang="en-GB" b="1">
-                <a:latin typeface="Lato"/>
-                <a:ea typeface="Lato"/>
-                <a:cs typeface="Lato"/>
-                <a:sym typeface="Lato"/>
-              </a:rPr>
-              <a:t>Login + Bootstrap</a:t>
-            </a:r>
-            <a:endParaRPr b="1">
-              <a:latin typeface="Lato"/>
-              <a:ea typeface="Lato"/>
-              <a:cs typeface="Lato"/>
-              <a:sym typeface="Lato"/>
-            </a:endParaRPr>
-          </a:p>
-          <a:p>
-            <a:pPr marL="0" lvl="0" indent="0" algn="l" rtl="0">
-              <a:spcBef>
-                <a:spcPts val="0"/>
-              </a:spcBef>
-              <a:spcAft>
-                <a:spcPts val="0"/>
-              </a:spcAft>
-              <a:buNone/>
-            </a:pPr>
-            <a:endParaRPr b="1">
+            <a:endParaRPr b="1" dirty="0">
               <a:latin typeface="Lato"/>
               <a:ea typeface="Lato"/>
               <a:cs typeface="Lato"/>
@@ -21717,15 +21691,26 @@
               <a:buNone/>
             </a:pPr>
             <a:r>
-              <a:rPr lang="en-GB" b="1">
+              <a:rPr lang="en-GB" b="1" dirty="0">
                 <a:latin typeface="Lato"/>
                 <a:ea typeface="Lato"/>
                 <a:cs typeface="Lato"/>
                 <a:sym typeface="Lato"/>
               </a:rPr>
-              <a:t>Iteration 2: </a:t>
+              <a:t>Iteration 2:</a:t>
             </a:r>
-            <a:endParaRPr b="1">
+          </a:p>
+          <a:p>
+            <a:r>
+              <a:rPr lang="en-GB" b="1" dirty="0">
+                <a:latin typeface="Lato"/>
+                <a:ea typeface="Lato"/>
+                <a:cs typeface="Lato"/>
+                <a:sym typeface="Lato"/>
+              </a:rPr>
+              <a:t>Milestone 1: PM Review </a:t>
+            </a:r>
+            <a:endParaRPr b="1" dirty="0">
               <a:latin typeface="Lato"/>
               <a:ea typeface="Lato"/>
               <a:cs typeface="Lato"/>
@@ -21743,33 +21728,7 @@
               <a:buNone/>
             </a:pPr>
             <a:r>
-              <a:rPr lang="en-GB" b="1">
-                <a:latin typeface="Lato"/>
-                <a:ea typeface="Lato"/>
-                <a:cs typeface="Lato"/>
-                <a:sym typeface="Lato"/>
-              </a:rPr>
-              <a:t>Milestone 2: App Demo</a:t>
-            </a:r>
-            <a:endParaRPr b="1">
-              <a:latin typeface="Lato"/>
-              <a:ea typeface="Lato"/>
-              <a:cs typeface="Lato"/>
-              <a:sym typeface="Lato"/>
-            </a:endParaRPr>
-          </a:p>
-          <a:p>
-            <a:pPr marL="0" lvl="0" indent="0" algn="l" rtl="0">
-              <a:spcBef>
-                <a:spcPts val="0"/>
-              </a:spcBef>
-              <a:spcAft>
-                <a:spcPts val="0"/>
-              </a:spcAft>
-              <a:buNone/>
-            </a:pPr>
-            <a:r>
-              <a:rPr lang="en-GB" b="1">
+              <a:rPr lang="en-GB" b="1" dirty="0">
                 <a:latin typeface="Lato"/>
                 <a:ea typeface="Lato"/>
                 <a:cs typeface="Lato"/>
@@ -21777,7 +21736,7 @@
               </a:rPr>
               <a:t>Functionality: </a:t>
             </a:r>
-            <a:endParaRPr b="1">
+            <a:endParaRPr b="1" dirty="0">
               <a:latin typeface="Lato"/>
               <a:ea typeface="Lato"/>
               <a:cs typeface="Lato"/>
@@ -21797,7 +21756,7 @@
               <a:buChar char="●"/>
             </a:pPr>
             <a:r>
-              <a:rPr lang="en-GB" b="1">
+              <a:rPr lang="en-GB" b="1" dirty="0">
                 <a:latin typeface="Lato"/>
                 <a:ea typeface="Lato"/>
                 <a:cs typeface="Lato"/>
@@ -21805,7 +21764,7 @@
               </a:rPr>
               <a:t>Bid -&gt;section</a:t>
             </a:r>
-            <a:endParaRPr b="1">
+            <a:endParaRPr b="1" dirty="0">
               <a:latin typeface="Lato"/>
               <a:ea typeface="Lato"/>
               <a:cs typeface="Lato"/>
@@ -21825,7 +21784,7 @@
               <a:buChar char="●"/>
             </a:pPr>
             <a:r>
-              <a:rPr lang="en-GB" b="1">
+              <a:rPr lang="en-GB" b="1" dirty="0">
                 <a:latin typeface="Lato"/>
                 <a:ea typeface="Lato"/>
                 <a:cs typeface="Lato"/>
@@ -21833,7 +21792,7 @@
               </a:rPr>
               <a:t>Admin Starting/Clearing Round 1</a:t>
             </a:r>
-            <a:endParaRPr b="1">
+            <a:endParaRPr b="1" dirty="0">
               <a:latin typeface="Lato"/>
               <a:ea typeface="Lato"/>
               <a:cs typeface="Lato"/>
@@ -21853,7 +21812,7 @@
               <a:buChar char="●"/>
             </a:pPr>
             <a:r>
-              <a:rPr lang="en-GB" b="1">
+              <a:rPr lang="en-GB" b="1" dirty="0">
                 <a:latin typeface="Lato"/>
                 <a:ea typeface="Lato"/>
                 <a:cs typeface="Lato"/>
@@ -21861,7 +21820,7 @@
               </a:rPr>
               <a:t>Admin Starting/Clearing Round 2</a:t>
             </a:r>
-            <a:endParaRPr b="1">
+            <a:endParaRPr b="1" dirty="0">
               <a:latin typeface="Lato"/>
               <a:ea typeface="Lato"/>
               <a:cs typeface="Lato"/>
@@ -21881,7 +21840,7 @@
               <a:buChar char="●"/>
             </a:pPr>
             <a:r>
-              <a:rPr lang="en-GB" b="1">
+              <a:rPr lang="en-GB" b="1" dirty="0">
                 <a:latin typeface="Lato"/>
                 <a:ea typeface="Lato"/>
                 <a:cs typeface="Lato"/>
@@ -21889,7 +21848,7 @@
               </a:rPr>
               <a:t>JSON</a:t>
             </a:r>
-            <a:endParaRPr b="1">
+            <a:endParaRPr b="1" dirty="0">
               <a:latin typeface="Lato"/>
               <a:ea typeface="Lato"/>
               <a:cs typeface="Lato"/>
@@ -21906,7 +21865,7 @@
               </a:spcAft>
               <a:buNone/>
             </a:pPr>
-            <a:endParaRPr b="1">
+            <a:endParaRPr b="1" dirty="0">
               <a:latin typeface="Lato"/>
               <a:ea typeface="Lato"/>
               <a:cs typeface="Lato"/>
@@ -21950,7 +21909,7 @@
               <a:buNone/>
             </a:pPr>
             <a:r>
-              <a:rPr lang="en-GB" b="1">
+              <a:rPr lang="en-GB" b="1" dirty="0">
                 <a:latin typeface="Lato"/>
                 <a:ea typeface="Lato"/>
                 <a:cs typeface="Lato"/>
@@ -21958,7 +21917,18 @@
               </a:rPr>
               <a:t>Iteration 4: </a:t>
             </a:r>
-            <a:endParaRPr b="1">
+          </a:p>
+          <a:p>
+            <a:r>
+              <a:rPr lang="en-GB" b="1" dirty="0">
+                <a:latin typeface="Lato"/>
+                <a:ea typeface="Lato"/>
+                <a:cs typeface="Lato"/>
+                <a:sym typeface="Lato"/>
+              </a:rPr>
+              <a:t>Milestone 3: UAT</a:t>
+            </a:r>
+            <a:endParaRPr b="1" dirty="0">
               <a:latin typeface="Lato"/>
               <a:ea typeface="Lato"/>
               <a:cs typeface="Lato"/>
@@ -21976,7 +21946,7 @@
               <a:buNone/>
             </a:pPr>
             <a:r>
-              <a:rPr lang="en-GB" b="1">
+              <a:rPr lang="en-GB" b="1" dirty="0">
                 <a:latin typeface="Lato"/>
                 <a:ea typeface="Lato"/>
                 <a:cs typeface="Lato"/>
@@ -21984,7 +21954,7 @@
               </a:rPr>
               <a:t>Functionality:</a:t>
             </a:r>
-            <a:endParaRPr b="1">
+            <a:endParaRPr b="1" dirty="0">
               <a:latin typeface="Lato"/>
               <a:ea typeface="Lato"/>
               <a:cs typeface="Lato"/>
@@ -22004,7 +21974,7 @@
               <a:buChar char="●"/>
             </a:pPr>
             <a:r>
-              <a:rPr lang="en-GB" b="1">
+              <a:rPr lang="en-GB" b="1" dirty="0">
                 <a:latin typeface="Lato"/>
                 <a:ea typeface="Lato"/>
                 <a:cs typeface="Lato"/>
@@ -22012,7 +21982,7 @@
               </a:rPr>
               <a:t>Testing and Debugging all codes</a:t>
             </a:r>
-            <a:endParaRPr b="1">
+            <a:endParaRPr b="1" dirty="0">
               <a:latin typeface="Lato"/>
               <a:ea typeface="Lato"/>
               <a:cs typeface="Lato"/>
@@ -22029,7 +21999,7 @@
               </a:spcAft>
               <a:buNone/>
             </a:pPr>
-            <a:endParaRPr b="1">
+            <a:endParaRPr b="1" dirty="0">
               <a:latin typeface="Lato"/>
               <a:ea typeface="Lato"/>
               <a:cs typeface="Lato"/>
@@ -22046,7 +22016,7 @@
               </a:spcAft>
               <a:buNone/>
             </a:pPr>
-            <a:endParaRPr b="1">
+            <a:endParaRPr b="1" dirty="0">
               <a:latin typeface="Lato"/>
               <a:ea typeface="Lato"/>
               <a:cs typeface="Lato"/>
@@ -22063,7 +22033,7 @@
               </a:spcAft>
               <a:buNone/>
             </a:pPr>
-            <a:endParaRPr b="1">
+            <a:endParaRPr b="1" dirty="0">
               <a:latin typeface="Lato"/>
               <a:ea typeface="Lato"/>
               <a:cs typeface="Lato"/>
@@ -22107,7 +22077,7 @@
               <a:buNone/>
             </a:pPr>
             <a:r>
-              <a:rPr lang="en-GB" b="1">
+              <a:rPr lang="en-GB" b="1" dirty="0">
                 <a:latin typeface="Lato"/>
                 <a:ea typeface="Lato"/>
                 <a:cs typeface="Lato"/>
@@ -22115,7 +22085,18 @@
               </a:rPr>
               <a:t>Iteration 3: </a:t>
             </a:r>
-            <a:endParaRPr b="1">
+          </a:p>
+          <a:p>
+            <a:r>
+              <a:rPr lang="en-GB" b="1" dirty="0">
+                <a:latin typeface="Lato"/>
+                <a:ea typeface="Lato"/>
+                <a:cs typeface="Lato"/>
+                <a:sym typeface="Lato"/>
+              </a:rPr>
+              <a:t>Milestone 2: App Demo</a:t>
+            </a:r>
+            <a:endParaRPr b="1" dirty="0">
               <a:latin typeface="Lato"/>
               <a:ea typeface="Lato"/>
               <a:cs typeface="Lato"/>
@@ -22133,33 +22114,7 @@
               <a:buNone/>
             </a:pPr>
             <a:r>
-              <a:rPr lang="en-GB" b="1">
-                <a:latin typeface="Lato"/>
-                <a:ea typeface="Lato"/>
-                <a:cs typeface="Lato"/>
-                <a:sym typeface="Lato"/>
-              </a:rPr>
-              <a:t>Milestone 3: UAT</a:t>
-            </a:r>
-            <a:endParaRPr b="1">
-              <a:latin typeface="Lato"/>
-              <a:ea typeface="Lato"/>
-              <a:cs typeface="Lato"/>
-              <a:sym typeface="Lato"/>
-            </a:endParaRPr>
-          </a:p>
-          <a:p>
-            <a:pPr marL="0" lvl="0" indent="0" algn="l" rtl="0">
-              <a:spcBef>
-                <a:spcPts val="0"/>
-              </a:spcBef>
-              <a:spcAft>
-                <a:spcPts val="0"/>
-              </a:spcAft>
-              <a:buNone/>
-            </a:pPr>
-            <a:r>
-              <a:rPr lang="en-GB" b="1">
+              <a:rPr lang="en-GB" b="1" dirty="0">
                 <a:latin typeface="Lato"/>
                 <a:ea typeface="Lato"/>
                 <a:cs typeface="Lato"/>
@@ -22167,7 +22122,7 @@
               </a:rPr>
               <a:t>Functionality:</a:t>
             </a:r>
-            <a:endParaRPr b="1">
+            <a:endParaRPr b="1" dirty="0">
               <a:latin typeface="Lato"/>
               <a:ea typeface="Lato"/>
               <a:cs typeface="Lato"/>
@@ -22187,7 +22142,7 @@
               <a:buChar char="●"/>
             </a:pPr>
             <a:r>
-              <a:rPr lang="en-GB" b="1">
+              <a:rPr lang="en-GB" b="1" dirty="0">
                 <a:latin typeface="Lato"/>
                 <a:ea typeface="Lato"/>
                 <a:cs typeface="Lato"/>
@@ -22195,7 +22150,7 @@
               </a:rPr>
               <a:t>Drop -&gt;section</a:t>
             </a:r>
-            <a:endParaRPr b="1">
+            <a:endParaRPr b="1" dirty="0">
               <a:latin typeface="Lato"/>
               <a:ea typeface="Lato"/>
               <a:cs typeface="Lato"/>
@@ -22215,7 +22170,7 @@
               <a:buChar char="●"/>
             </a:pPr>
             <a:r>
-              <a:rPr lang="en-GB" b="1">
+              <a:rPr lang="en-GB" b="1" dirty="0">
                 <a:latin typeface="Lato"/>
                 <a:ea typeface="Lato"/>
                 <a:cs typeface="Lato"/>
@@ -22223,7 +22178,7 @@
               </a:rPr>
               <a:t>Drop -&gt;bid </a:t>
             </a:r>
-            <a:endParaRPr b="1">
+            <a:endParaRPr b="1" dirty="0">
               <a:latin typeface="Lato"/>
               <a:ea typeface="Lato"/>
               <a:cs typeface="Lato"/>
@@ -22243,7 +22198,7 @@
               <a:buChar char="●"/>
             </a:pPr>
             <a:r>
-              <a:rPr lang="en-GB" b="1">
+              <a:rPr lang="en-GB" b="1" dirty="0">
                 <a:latin typeface="Lato"/>
                 <a:ea typeface="Lato"/>
                 <a:cs typeface="Lato"/>
@@ -22251,7 +22206,7 @@
               </a:rPr>
               <a:t>View bidding results</a:t>
             </a:r>
-            <a:endParaRPr b="1">
+            <a:endParaRPr b="1" dirty="0">
               <a:latin typeface="Lato"/>
               <a:ea typeface="Lato"/>
               <a:cs typeface="Lato"/>
@@ -22271,7 +22226,7 @@
               <a:buChar char="●"/>
             </a:pPr>
             <a:r>
-              <a:rPr lang="en-GB" b="1">
+              <a:rPr lang="en-GB" b="1" dirty="0">
                 <a:latin typeface="Lato"/>
                 <a:ea typeface="Lato"/>
                 <a:cs typeface="Lato"/>
@@ -22279,7 +22234,7 @@
               </a:rPr>
               <a:t>JSON</a:t>
             </a:r>
-            <a:endParaRPr b="1">
+            <a:endParaRPr b="1" dirty="0">
               <a:latin typeface="Lato"/>
               <a:ea typeface="Lato"/>
               <a:cs typeface="Lato"/>
